--- a/TIPOS_DE_DADOS.pptx
+++ b/TIPOS_DE_DADOS.pptx
@@ -14,7 +14,8 @@
     <p:sldId id="261" r:id="rId8"/>
     <p:sldId id="262" r:id="rId9"/>
     <p:sldId id="263" r:id="rId10"/>
-    <p:sldId id="265" r:id="rId11"/>
+    <p:sldId id="267" r:id="rId11"/>
+    <p:sldId id="265" r:id="rId12"/>
   </p:sldIdLst>
   <p:sldSz cx="12192000" cy="6858000"/>
   <p:notesSz cx="6858000" cy="9144000"/>
@@ -307,7 +308,7 @@
           <a:p>
             <a:fld id="{398D7ABC-FAF4-4757-B2B6-1A15359B34EE}" type="datetimeFigureOut">
               <a:rPr lang="pt-BR" smtClean="0"/>
-              <a:t>27/10/2020</a:t>
+              <a:t>28/10/2020</a:t>
             </a:fld>
             <a:endParaRPr lang="pt-BR"/>
           </a:p>
@@ -582,7 +583,7 @@
           <a:p>
             <a:fld id="{398D7ABC-FAF4-4757-B2B6-1A15359B34EE}" type="datetimeFigureOut">
               <a:rPr lang="pt-BR" smtClean="0"/>
-              <a:t>27/10/2020</a:t>
+              <a:t>28/10/2020</a:t>
             </a:fld>
             <a:endParaRPr lang="pt-BR"/>
           </a:p>
@@ -776,7 +777,7 @@
           <a:p>
             <a:fld id="{398D7ABC-FAF4-4757-B2B6-1A15359B34EE}" type="datetimeFigureOut">
               <a:rPr lang="pt-BR" smtClean="0"/>
-              <a:t>27/10/2020</a:t>
+              <a:t>28/10/2020</a:t>
             </a:fld>
             <a:endParaRPr lang="pt-BR"/>
           </a:p>
@@ -1049,7 +1050,7 @@
           <a:p>
             <a:fld id="{398D7ABC-FAF4-4757-B2B6-1A15359B34EE}" type="datetimeFigureOut">
               <a:rPr lang="pt-BR" smtClean="0"/>
-              <a:t>27/10/2020</a:t>
+              <a:t>28/10/2020</a:t>
             </a:fld>
             <a:endParaRPr lang="pt-BR"/>
           </a:p>
@@ -1390,7 +1391,7 @@
           <a:p>
             <a:fld id="{398D7ABC-FAF4-4757-B2B6-1A15359B34EE}" type="datetimeFigureOut">
               <a:rPr lang="pt-BR" smtClean="0"/>
-              <a:t>27/10/2020</a:t>
+              <a:t>28/10/2020</a:t>
             </a:fld>
             <a:endParaRPr lang="pt-BR"/>
           </a:p>
@@ -2013,7 +2014,7 @@
           <a:p>
             <a:fld id="{398D7ABC-FAF4-4757-B2B6-1A15359B34EE}" type="datetimeFigureOut">
               <a:rPr lang="pt-BR" smtClean="0"/>
-              <a:t>27/10/2020</a:t>
+              <a:t>28/10/2020</a:t>
             </a:fld>
             <a:endParaRPr lang="pt-BR"/>
           </a:p>
@@ -2873,7 +2874,7 @@
           <a:p>
             <a:fld id="{398D7ABC-FAF4-4757-B2B6-1A15359B34EE}" type="datetimeFigureOut">
               <a:rPr lang="pt-BR" smtClean="0"/>
-              <a:t>27/10/2020</a:t>
+              <a:t>28/10/2020</a:t>
             </a:fld>
             <a:endParaRPr lang="pt-BR"/>
           </a:p>
@@ -3043,7 +3044,7 @@
           <a:p>
             <a:fld id="{398D7ABC-FAF4-4757-B2B6-1A15359B34EE}" type="datetimeFigureOut">
               <a:rPr lang="pt-BR" smtClean="0"/>
-              <a:t>27/10/2020</a:t>
+              <a:t>28/10/2020</a:t>
             </a:fld>
             <a:endParaRPr lang="pt-BR"/>
           </a:p>
@@ -3223,7 +3224,7 @@
           <a:p>
             <a:fld id="{398D7ABC-FAF4-4757-B2B6-1A15359B34EE}" type="datetimeFigureOut">
               <a:rPr lang="pt-BR" smtClean="0"/>
-              <a:t>27/10/2020</a:t>
+              <a:t>28/10/2020</a:t>
             </a:fld>
             <a:endParaRPr lang="pt-BR"/>
           </a:p>
@@ -3393,7 +3394,7 @@
           <a:p>
             <a:fld id="{398D7ABC-FAF4-4757-B2B6-1A15359B34EE}" type="datetimeFigureOut">
               <a:rPr lang="pt-BR" smtClean="0"/>
-              <a:t>27/10/2020</a:t>
+              <a:t>28/10/2020</a:t>
             </a:fld>
             <a:endParaRPr lang="pt-BR"/>
           </a:p>
@@ -3640,7 +3641,7 @@
           <a:p>
             <a:fld id="{398D7ABC-FAF4-4757-B2B6-1A15359B34EE}" type="datetimeFigureOut">
               <a:rPr lang="pt-BR" smtClean="0"/>
-              <a:t>27/10/2020</a:t>
+              <a:t>28/10/2020</a:t>
             </a:fld>
             <a:endParaRPr lang="pt-BR"/>
           </a:p>
@@ -3932,7 +3933,7 @@
           <a:p>
             <a:fld id="{398D7ABC-FAF4-4757-B2B6-1A15359B34EE}" type="datetimeFigureOut">
               <a:rPr lang="pt-BR" smtClean="0"/>
-              <a:t>27/10/2020</a:t>
+              <a:t>28/10/2020</a:t>
             </a:fld>
             <a:endParaRPr lang="pt-BR"/>
           </a:p>
@@ -4376,7 +4377,7 @@
           <a:p>
             <a:fld id="{398D7ABC-FAF4-4757-B2B6-1A15359B34EE}" type="datetimeFigureOut">
               <a:rPr lang="pt-BR" smtClean="0"/>
-              <a:t>27/10/2020</a:t>
+              <a:t>28/10/2020</a:t>
             </a:fld>
             <a:endParaRPr lang="pt-BR"/>
           </a:p>
@@ -4494,7 +4495,7 @@
           <a:p>
             <a:fld id="{398D7ABC-FAF4-4757-B2B6-1A15359B34EE}" type="datetimeFigureOut">
               <a:rPr lang="pt-BR" smtClean="0"/>
-              <a:t>27/10/2020</a:t>
+              <a:t>28/10/2020</a:t>
             </a:fld>
             <a:endParaRPr lang="pt-BR"/>
           </a:p>
@@ -4589,7 +4590,7 @@
           <a:p>
             <a:fld id="{398D7ABC-FAF4-4757-B2B6-1A15359B34EE}" type="datetimeFigureOut">
               <a:rPr lang="pt-BR" smtClean="0"/>
-              <a:t>27/10/2020</a:t>
+              <a:t>28/10/2020</a:t>
             </a:fld>
             <a:endParaRPr lang="pt-BR"/>
           </a:p>
@@ -4868,7 +4869,7 @@
           <a:p>
             <a:fld id="{398D7ABC-FAF4-4757-B2B6-1A15359B34EE}" type="datetimeFigureOut">
               <a:rPr lang="pt-BR" smtClean="0"/>
-              <a:t>27/10/2020</a:t>
+              <a:t>28/10/2020</a:t>
             </a:fld>
             <a:endParaRPr lang="pt-BR"/>
           </a:p>
@@ -5143,7 +5144,7 @@
           <a:p>
             <a:fld id="{398D7ABC-FAF4-4757-B2B6-1A15359B34EE}" type="datetimeFigureOut">
               <a:rPr lang="pt-BR" smtClean="0"/>
-              <a:t>27/10/2020</a:t>
+              <a:t>28/10/2020</a:t>
             </a:fld>
             <a:endParaRPr lang="pt-BR"/>
           </a:p>
@@ -5572,7 +5573,7 @@
           <a:p>
             <a:fld id="{398D7ABC-FAF4-4757-B2B6-1A15359B34EE}" type="datetimeFigureOut">
               <a:rPr lang="pt-BR" smtClean="0"/>
-              <a:t>27/10/2020</a:t>
+              <a:t>28/10/2020</a:t>
             </a:fld>
             <a:endParaRPr lang="pt-BR"/>
           </a:p>
@@ -6206,6 +6207,222 @@
             <p:ph type="title"/>
           </p:nvPr>
         </p:nvSpPr>
+        <p:spPr>
+          <a:xfrm>
+            <a:off x="646111" y="452718"/>
+            <a:ext cx="9404723" cy="1131383"/>
+          </a:xfrm>
+        </p:spPr>
+        <p:txBody>
+          <a:bodyPr/>
+          <a:lstStyle/>
+          <a:p>
+            <a:r>
+              <a:rPr lang="pt-BR" dirty="0" smtClean="0"/>
+              <a:t>O que é ?</a:t>
+            </a:r>
+            <a:endParaRPr lang="pt-BR" dirty="0"/>
+          </a:p>
+        </p:txBody>
+      </p:sp>
+      <p:sp>
+        <p:nvSpPr>
+          <p:cNvPr id="8" name="CaixaDeTexto 7"/>
+          <p:cNvSpPr txBox="1"/>
+          <p:nvPr/>
+        </p:nvSpPr>
+        <p:spPr>
+          <a:xfrm>
+            <a:off x="1388362" y="1853248"/>
+            <a:ext cx="8463975" cy="923330"/>
+          </a:xfrm>
+          <a:prstGeom prst="rect">
+            <a:avLst/>
+          </a:prstGeom>
+          <a:noFill/>
+        </p:spPr>
+        <p:txBody>
+          <a:bodyPr wrap="square" rtlCol="0">
+            <a:spAutoFit/>
+          </a:bodyPr>
+          <a:lstStyle/>
+          <a:p>
+            <a:pPr algn="just"/>
+            <a:r>
+              <a:rPr lang="pt-BR" b="1" dirty="0" err="1" smtClean="0"/>
+              <a:t>Primary</a:t>
+            </a:r>
+            <a:r>
+              <a:rPr lang="pt-BR" b="1" dirty="0" smtClean="0"/>
+              <a:t> Key : </a:t>
+            </a:r>
+            <a:r>
+              <a:rPr lang="pt-BR" dirty="0" smtClean="0"/>
+              <a:t>Essa </a:t>
+            </a:r>
+            <a:r>
+              <a:rPr lang="pt-BR" dirty="0"/>
+              <a:t>chave é utilizada como </a:t>
+            </a:r>
+            <a:r>
+              <a:rPr lang="pt-BR" b="1" dirty="0"/>
+              <a:t>identificador único</a:t>
+            </a:r>
+            <a:r>
+              <a:rPr lang="pt-BR" dirty="0"/>
+              <a:t> da tabela, sendo representada por </a:t>
+            </a:r>
+            <a:r>
+              <a:rPr lang="pt-BR" dirty="0" smtClean="0"/>
+              <a:t>aquele </a:t>
+            </a:r>
+            <a:r>
+              <a:rPr lang="pt-BR" dirty="0"/>
+              <a:t>campo (ou campos) que não receberá valores repetidos.</a:t>
+            </a:r>
+            <a:endParaRPr lang="pt-BR" dirty="0"/>
+          </a:p>
+        </p:txBody>
+      </p:sp>
+      <p:sp>
+        <p:nvSpPr>
+          <p:cNvPr id="9" name="CaixaDeTexto 8"/>
+          <p:cNvSpPr txBox="1"/>
+          <p:nvPr/>
+        </p:nvSpPr>
+        <p:spPr>
+          <a:xfrm>
+            <a:off x="1388362" y="3052036"/>
+            <a:ext cx="8463975" cy="646331"/>
+          </a:xfrm>
+          <a:prstGeom prst="rect">
+            <a:avLst/>
+          </a:prstGeom>
+          <a:noFill/>
+        </p:spPr>
+        <p:txBody>
+          <a:bodyPr wrap="square" rtlCol="0">
+            <a:spAutoFit/>
+          </a:bodyPr>
+          <a:lstStyle/>
+          <a:p>
+            <a:r>
+              <a:rPr lang="pt-BR" b="1" dirty="0" err="1" smtClean="0"/>
+              <a:t>Foreing</a:t>
+            </a:r>
+            <a:r>
+              <a:rPr lang="pt-BR" b="1" dirty="0" smtClean="0"/>
+              <a:t> Key: </a:t>
+            </a:r>
+            <a:r>
+              <a:rPr lang="pt-BR" dirty="0" smtClean="0"/>
+              <a:t>De </a:t>
+            </a:r>
+            <a:r>
+              <a:rPr lang="pt-BR" dirty="0"/>
+              <a:t>forma sucinta, a chave estrangeira é uma referência em uma tabela a uma chave primária de outra tabela</a:t>
+            </a:r>
+            <a:endParaRPr lang="pt-BR" dirty="0"/>
+          </a:p>
+        </p:txBody>
+      </p:sp>
+      <p:sp>
+        <p:nvSpPr>
+          <p:cNvPr id="13" name="CaixaDeTexto 12"/>
+          <p:cNvSpPr txBox="1"/>
+          <p:nvPr/>
+        </p:nvSpPr>
+        <p:spPr>
+          <a:xfrm>
+            <a:off x="1388362" y="4119093"/>
+            <a:ext cx="8662472" cy="923330"/>
+          </a:xfrm>
+          <a:prstGeom prst="rect">
+            <a:avLst/>
+          </a:prstGeom>
+          <a:noFill/>
+        </p:spPr>
+        <p:txBody>
+          <a:bodyPr wrap="square" rtlCol="0">
+            <a:spAutoFit/>
+          </a:bodyPr>
+          <a:lstStyle/>
+          <a:p>
+            <a:r>
+              <a:rPr lang="pt-BR" b="1" dirty="0" err="1" smtClean="0"/>
+              <a:t>Identity</a:t>
+            </a:r>
+            <a:r>
+              <a:rPr lang="pt-BR" b="1" dirty="0" smtClean="0"/>
+              <a:t>: </a:t>
+            </a:r>
+            <a:r>
+              <a:rPr lang="pt-BR" dirty="0" smtClean="0"/>
+              <a:t>É </a:t>
+            </a:r>
+            <a:r>
+              <a:rPr lang="pt-BR" dirty="0"/>
+              <a:t>o valor inteiro que será atribuído à primeira linha da tabela. A cada linha seguinte é atribuído o próximo valor de identidade, que é igual ao ultimo valor IDENTITY mais o valor de </a:t>
+            </a:r>
+            <a:r>
+              <a:rPr lang="pt-BR" i="1" dirty="0" err="1"/>
+              <a:t>increment</a:t>
+            </a:r>
+            <a:r>
+              <a:rPr lang="pt-BR" dirty="0"/>
+              <a:t>. </a:t>
+            </a:r>
+            <a:endParaRPr lang="pt-BR" dirty="0"/>
+          </a:p>
+        </p:txBody>
+      </p:sp>
+    </p:spTree>
+    <p:extLst>
+      <p:ext uri="{BB962C8B-B14F-4D97-AF65-F5344CB8AC3E}">
+        <p14:creationId xmlns:p14="http://schemas.microsoft.com/office/powerpoint/2010/main" val="4019838356"/>
+      </p:ext>
+    </p:extLst>
+  </p:cSld>
+  <p:clrMapOvr>
+    <a:masterClrMapping/>
+  </p:clrMapOvr>
+  <p:timing>
+    <p:tnLst>
+      <p:par>
+        <p:cTn id="1" dur="indefinite" restart="never" nodeType="tmRoot"/>
+      </p:par>
+    </p:tnLst>
+  </p:timing>
+</p:sld>
+</file>
+
+<file path=ppt/slides/slide11.xml><?xml version="1.0" encoding="utf-8"?>
+<p:sld xmlns:a="http://schemas.openxmlformats.org/drawingml/2006/main" xmlns:r="http://schemas.openxmlformats.org/officeDocument/2006/relationships" xmlns:p="http://schemas.openxmlformats.org/presentationml/2006/main">
+  <p:cSld>
+    <p:spTree>
+      <p:nvGrpSpPr>
+        <p:cNvPr id="1" name=""/>
+        <p:cNvGrpSpPr/>
+        <p:nvPr/>
+      </p:nvGrpSpPr>
+      <p:grpSpPr>
+        <a:xfrm>
+          <a:off x="0" y="0"/>
+          <a:ext cx="0" cy="0"/>
+          <a:chOff x="0" y="0"/>
+          <a:chExt cx="0" cy="0"/>
+        </a:xfrm>
+      </p:grpSpPr>
+      <p:sp>
+        <p:nvSpPr>
+          <p:cNvPr id="2" name="Título 1"/>
+          <p:cNvSpPr>
+            <a:spLocks noGrp="1"/>
+          </p:cNvSpPr>
+          <p:nvPr>
+            <p:ph type="title"/>
+          </p:nvPr>
+        </p:nvSpPr>
         <p:spPr/>
         <p:txBody>
           <a:bodyPr/>
@@ -7252,11 +7469,7 @@
             <a:pPr algn="just"/>
             <a:r>
               <a:rPr lang="pt-BR" dirty="0" smtClean="0"/>
-              <a:t>Instrução da </a:t>
-            </a:r>
-            <a:r>
-              <a:rPr lang="pt-BR" dirty="0" smtClean="0"/>
-              <a:t>linguagem SQL para criação de tabelas. </a:t>
+              <a:t>Instrução da linguagem SQL para criação de tabelas. </a:t>
             </a:r>
             <a:r>
               <a:rPr lang="pt-BR" b="1" dirty="0" smtClean="0">
@@ -7404,15 +7617,7 @@
             <a:pPr algn="just"/>
             <a:r>
               <a:rPr lang="pt-BR" dirty="0" smtClean="0"/>
-              <a:t>Nome das </a:t>
-            </a:r>
-            <a:r>
-              <a:rPr lang="pt-BR" dirty="0" smtClean="0"/>
-              <a:t>colunas </a:t>
-            </a:r>
-            <a:r>
-              <a:rPr lang="pt-BR" dirty="0" smtClean="0"/>
-              <a:t>da tabela.</a:t>
+              <a:t>Nome das colunas da tabela.</a:t>
             </a:r>
             <a:endParaRPr lang="pt-BR" dirty="0"/>
           </a:p>
